--- a/Computer Vision.pptx
+++ b/Computer Vision.pptx
@@ -8,6 +8,10 @@
     <p:sldId id="256" r:id="rId2"/>
     <p:sldId id="257" r:id="rId3"/>
     <p:sldId id="258" r:id="rId4"/>
+    <p:sldId id="259" r:id="rId5"/>
+    <p:sldId id="260" r:id="rId6"/>
+    <p:sldId id="261" r:id="rId7"/>
+    <p:sldId id="262" r:id="rId8"/>
   </p:sldIdLst>
   <p:sldSz cx="12192000" cy="6858000"/>
   <p:notesSz cx="6858000" cy="9144000"/>
@@ -3004,7 +3008,7 @@
         </p:blipFill>
         <p:spPr>
           <a:xfrm>
-            <a:off x="-203201" y="469219"/>
+            <a:off x="-169335" y="469219"/>
             <a:ext cx="12253016" cy="6686324"/>
           </a:xfrm>
           <a:prstGeom prst="rect">
@@ -3170,7 +3174,7 @@
           <a:graphicData uri="http://schemas.openxmlformats.org/presentationml/2006/ole">
             <mc:AlternateContent xmlns:mc="http://schemas.openxmlformats.org/markup-compatibility/2006">
               <mc:Choice xmlns:v="urn:schemas-microsoft-com:vml" Requires="v">
-                <p:oleObj spid="_x0000_s1026" name="Bitmap Image" r:id="rId4" imgW="7896240" imgH="1371600" progId="Paint.Picture">
+                <p:oleObj spid="_x0000_s1028" name="Bitmap Image" r:id="rId4" imgW="7896240" imgH="1371600" progId="Paint.Picture">
                   <p:embed/>
                 </p:oleObj>
               </mc:Choice>
@@ -3441,6 +3445,94 @@
           </a:p>
         </p:txBody>
       </p:sp>
+      <p:sp>
+        <p:nvSpPr>
+          <p:cNvPr id="2" name="Rectangle 1"/>
+          <p:cNvSpPr/>
+          <p:nvPr/>
+        </p:nvSpPr>
+        <p:spPr>
+          <a:xfrm>
+            <a:off x="-203201" y="6512076"/>
+            <a:ext cx="11857038" cy="643467"/>
+          </a:xfrm>
+          <a:prstGeom prst="rect">
+            <a:avLst/>
+          </a:prstGeom>
+          <a:solidFill>
+            <a:schemeClr val="bg1"/>
+          </a:solidFill>
+        </p:spPr>
+        <p:style>
+          <a:lnRef idx="2">
+            <a:schemeClr val="accent1">
+              <a:shade val="50000"/>
+            </a:schemeClr>
+          </a:lnRef>
+          <a:fillRef idx="1">
+            <a:schemeClr val="accent1"/>
+          </a:fillRef>
+          <a:effectRef idx="0">
+            <a:schemeClr val="accent1"/>
+          </a:effectRef>
+          <a:fontRef idx="minor">
+            <a:schemeClr val="lt1"/>
+          </a:fontRef>
+        </p:style>
+        <p:txBody>
+          <a:bodyPr rtlCol="0" anchor="ctr"/>
+          <a:lstStyle/>
+          <a:p>
+            <a:pPr algn="ctr"/>
+            <a:r>
+              <a:rPr lang="en-US" dirty="0">
+                <a:hlinkClick r:id="rId6"/>
+              </a:rPr>
+              <a:t>mureed-</a:t>
+            </a:r>
+            <a:r>
+              <a:rPr lang="en-US" dirty="0" err="1">
+                <a:hlinkClick r:id="rId6"/>
+              </a:rPr>
+              <a:t>hussain</a:t>
+            </a:r>
+            <a:r>
+              <a:rPr lang="en-US" dirty="0">
+                <a:hlinkClick r:id="rId6"/>
+              </a:rPr>
+              <a:t>-droty/</a:t>
+            </a:r>
+            <a:r>
+              <a:rPr lang="en-US" dirty="0" err="1">
+                <a:hlinkClick r:id="rId6"/>
+              </a:rPr>
+              <a:t>CV_project</a:t>
+            </a:r>
+            <a:r>
+              <a:rPr lang="en-US" dirty="0">
+                <a:hlinkClick r:id="rId6"/>
+              </a:rPr>
+              <a:t>: THIS IS </a:t>
+            </a:r>
+            <a:r>
+              <a:rPr lang="en-US" dirty="0">
+                <a:solidFill>
+                  <a:schemeClr val="bg2"/>
+                </a:solidFill>
+                <a:hlinkClick r:id="rId6"/>
+              </a:rPr>
+              <a:t>COMPUTER</a:t>
+            </a:r>
+            <a:r>
+              <a:rPr lang="en-US" dirty="0">
+                <a:hlinkClick r:id="rId6"/>
+              </a:rPr>
+              <a:t> VISSION PROJECT CODE . AIDS COURSE WITH NUST 23 (github.com)</a:t>
+            </a:r>
+            <a:endParaRPr lang="en-GB" dirty="0"/>
+          </a:p>
+        </p:txBody>
+      </p:sp>
     </p:spTree>
     <p:extLst>
       <p:ext uri="{BB962C8B-B14F-4D97-AF65-F5344CB8AC3E}">
@@ -3975,8 +4067,52 @@
           <a:bodyPr rtlCol="0" anchor="ctr"/>
           <a:lstStyle/>
           <a:p>
+            <a:r>
+              <a:rPr lang="en-US" sz="2400" dirty="0"/>
+              <a:t>In this project I work on face emotion recognition using  </a:t>
+            </a:r>
+            <a:r>
+              <a:rPr lang="en-US" sz="2400" b="1" dirty="0"/>
+              <a:t>fer2013 dataset. I</a:t>
+            </a:r>
+            <a:r>
+              <a:rPr lang="en-US" sz="2400" dirty="0"/>
+              <a:t>n this project I tried to predict the emotion of a person. First of all I mounted google drive to </a:t>
+            </a:r>
+            <a:r>
+              <a:rPr lang="en-US" sz="2400" dirty="0" err="1"/>
+              <a:t>colab</a:t>
+            </a:r>
+            <a:r>
+              <a:rPr lang="en-US" sz="2400" dirty="0"/>
+              <a:t> and after that we make a file name as facial expression on google drive and in this folder we drop our database after that in google </a:t>
+            </a:r>
+            <a:r>
+              <a:rPr lang="en-US" sz="2400" dirty="0" err="1"/>
+              <a:t>colab</a:t>
+            </a:r>
+            <a:r>
+              <a:rPr lang="en-US" sz="2400" dirty="0"/>
+              <a:t> we use the directory to access the dataset</a:t>
+            </a:r>
+            <a:r>
+              <a:rPr lang="en-US" sz="2400" dirty="0" smtClean="0"/>
+              <a:t>.</a:t>
+            </a:r>
+          </a:p>
+          <a:p>
+            <a:endParaRPr lang="en-GB" sz="2400" dirty="0"/>
+          </a:p>
+          <a:p>
+            <a:r>
+              <a:rPr lang="en-US" sz="2400" dirty="0"/>
+              <a:t>The dataset selected for our project is fer2013 dataset. We choose this dataset because it is specific for facial emotion  expression and also it has seven classes  of face expression.</a:t>
+            </a:r>
+            <a:endParaRPr lang="en-GB" sz="2400" dirty="0"/>
+          </a:p>
+          <a:p>
             <a:pPr algn="ctr"/>
-            <a:endParaRPr lang="en-GB"/>
+            <a:endParaRPr lang="en-GB" dirty="0"/>
           </a:p>
         </p:txBody>
       </p:sp>
@@ -3984,6 +4120,669 @@
     <p:extLst>
       <p:ext uri="{BB962C8B-B14F-4D97-AF65-F5344CB8AC3E}">
         <p14:creationId xmlns:p14="http://schemas.microsoft.com/office/powerpoint/2010/main" val="3531320988"/>
+      </p:ext>
+    </p:extLst>
+  </p:cSld>
+  <p:clrMapOvr>
+    <a:masterClrMapping/>
+  </p:clrMapOvr>
+</p:sld>
+</file>
+
+<file path=ppt/slides/slide4.xml><?xml version="1.0" encoding="utf-8"?>
+<p:sld xmlns:a="http://schemas.openxmlformats.org/drawingml/2006/main" xmlns:r="http://schemas.openxmlformats.org/officeDocument/2006/relationships" xmlns:p="http://schemas.openxmlformats.org/presentationml/2006/main">
+  <p:cSld>
+    <p:spTree>
+      <p:nvGrpSpPr>
+        <p:cNvPr id="1" name=""/>
+        <p:cNvGrpSpPr/>
+        <p:nvPr/>
+      </p:nvGrpSpPr>
+      <p:grpSpPr>
+        <a:xfrm>
+          <a:off x="0" y="0"/>
+          <a:ext cx="0" cy="0"/>
+          <a:chOff x="0" y="0"/>
+          <a:chExt cx="0" cy="0"/>
+        </a:xfrm>
+      </p:grpSpPr>
+      <p:pic>
+        <p:nvPicPr>
+          <p:cNvPr id="10" name="Picture 9" descr="ExpW Dataset | Papers With Code"/>
+          <p:cNvPicPr/>
+          <p:nvPr/>
+        </p:nvPicPr>
+        <p:blipFill>
+          <a:blip r:embed="rId2">
+            <a:extLst>
+              <a:ext uri="{28A0092B-C50C-407E-A947-70E740481C1C}">
+                <a14:useLocalDpi xmlns:a14="http://schemas.microsoft.com/office/drawing/2010/main" val="0"/>
+              </a:ext>
+            </a:extLst>
+          </a:blip>
+          <a:srcRect/>
+          <a:stretch>
+            <a:fillRect/>
+          </a:stretch>
+        </p:blipFill>
+        <p:spPr bwMode="auto">
+          <a:xfrm>
+            <a:off x="304800" y="372534"/>
+            <a:ext cx="10701867" cy="5960532"/>
+          </a:xfrm>
+          <a:prstGeom prst="rect">
+            <a:avLst/>
+          </a:prstGeom>
+          <a:noFill/>
+          <a:ln>
+            <a:noFill/>
+          </a:ln>
+        </p:spPr>
+      </p:pic>
+    </p:spTree>
+    <p:extLst>
+      <p:ext uri="{BB962C8B-B14F-4D97-AF65-F5344CB8AC3E}">
+        <p14:creationId xmlns:p14="http://schemas.microsoft.com/office/powerpoint/2010/main" val="511701300"/>
+      </p:ext>
+    </p:extLst>
+  </p:cSld>
+  <p:clrMapOvr>
+    <a:masterClrMapping/>
+  </p:clrMapOvr>
+</p:sld>
+</file>
+
+<file path=ppt/slides/slide5.xml><?xml version="1.0" encoding="utf-8"?>
+<p:sld xmlns:a="http://schemas.openxmlformats.org/drawingml/2006/main" xmlns:r="http://schemas.openxmlformats.org/officeDocument/2006/relationships" xmlns:p="http://schemas.openxmlformats.org/presentationml/2006/main">
+  <p:cSld>
+    <p:spTree>
+      <p:nvGrpSpPr>
+        <p:cNvPr id="1" name=""/>
+        <p:cNvGrpSpPr/>
+        <p:nvPr/>
+      </p:nvGrpSpPr>
+      <p:grpSpPr>
+        <a:xfrm>
+          <a:off x="0" y="0"/>
+          <a:ext cx="0" cy="0"/>
+          <a:chOff x="0" y="0"/>
+          <a:chExt cx="0" cy="0"/>
+        </a:xfrm>
+      </p:grpSpPr>
+      <p:sp>
+        <p:nvSpPr>
+          <p:cNvPr id="3" name="Rectangle 2"/>
+          <p:cNvSpPr/>
+          <p:nvPr/>
+        </p:nvSpPr>
+        <p:spPr>
+          <a:xfrm>
+            <a:off x="1010653" y="497305"/>
+            <a:ext cx="7074568" cy="978569"/>
+          </a:xfrm>
+          <a:prstGeom prst="rect">
+            <a:avLst/>
+          </a:prstGeom>
+        </p:spPr>
+        <p:style>
+          <a:lnRef idx="2">
+            <a:schemeClr val="accent1">
+              <a:shade val="50000"/>
+            </a:schemeClr>
+          </a:lnRef>
+          <a:fillRef idx="1">
+            <a:schemeClr val="accent1"/>
+          </a:fillRef>
+          <a:effectRef idx="0">
+            <a:schemeClr val="accent1"/>
+          </a:effectRef>
+          <a:fontRef idx="minor">
+            <a:schemeClr val="lt1"/>
+          </a:fontRef>
+        </p:style>
+        <p:txBody>
+          <a:bodyPr rtlCol="0" anchor="ctr"/>
+          <a:lstStyle/>
+          <a:p>
+            <a:r>
+              <a:rPr lang="en-US" dirty="0"/>
+              <a:t> </a:t>
+            </a:r>
+            <a:r>
+              <a:rPr lang="en-US" sz="6000" b="1" dirty="0"/>
+              <a:t>Project </a:t>
+            </a:r>
+            <a:r>
+              <a:rPr lang="en-US" sz="6000" b="1" dirty="0" smtClean="0"/>
+              <a:t>Details:</a:t>
+            </a:r>
+            <a:endParaRPr lang="en-GB" sz="6000" dirty="0"/>
+          </a:p>
+          <a:p>
+            <a:r>
+              <a:rPr lang="en-US" dirty="0" smtClean="0"/>
+              <a:t>.</a:t>
+            </a:r>
+            <a:endParaRPr lang="en-GB" dirty="0"/>
+          </a:p>
+        </p:txBody>
+      </p:sp>
+      <p:sp>
+        <p:nvSpPr>
+          <p:cNvPr id="4" name="Rectangle 3"/>
+          <p:cNvSpPr/>
+          <p:nvPr/>
+        </p:nvSpPr>
+        <p:spPr>
+          <a:xfrm>
+            <a:off x="545431" y="1716506"/>
+            <a:ext cx="11020927" cy="4932947"/>
+          </a:xfrm>
+          <a:prstGeom prst="rect">
+            <a:avLst/>
+          </a:prstGeom>
+          <a:solidFill>
+            <a:schemeClr val="accent1">
+              <a:lumMod val="20000"/>
+              <a:lumOff val="80000"/>
+            </a:schemeClr>
+          </a:solidFill>
+        </p:spPr>
+        <p:style>
+          <a:lnRef idx="2">
+            <a:schemeClr val="accent1">
+              <a:shade val="50000"/>
+            </a:schemeClr>
+          </a:lnRef>
+          <a:fillRef idx="1">
+            <a:schemeClr val="accent1"/>
+          </a:fillRef>
+          <a:effectRef idx="0">
+            <a:schemeClr val="accent1"/>
+          </a:effectRef>
+          <a:fontRef idx="minor">
+            <a:schemeClr val="lt1"/>
+          </a:fontRef>
+        </p:style>
+        <p:txBody>
+          <a:bodyPr rtlCol="0" anchor="ctr"/>
+          <a:lstStyle/>
+          <a:p>
+            <a:pPr lvl="0"/>
+            <a:r>
+              <a:rPr lang="en-US" sz="3600" b="1" dirty="0">
+                <a:solidFill>
+                  <a:schemeClr val="accent3">
+                    <a:lumMod val="50000"/>
+                  </a:schemeClr>
+                </a:solidFill>
+              </a:rPr>
+              <a:t>The project is divided into several stages:</a:t>
+            </a:r>
+            <a:endParaRPr lang="en-GB" sz="3600" dirty="0">
+              <a:solidFill>
+                <a:schemeClr val="accent3">
+                  <a:lumMod val="50000"/>
+                </a:schemeClr>
+              </a:solidFill>
+            </a:endParaRPr>
+          </a:p>
+          <a:p>
+            <a:pPr lvl="0"/>
+            <a:r>
+              <a:rPr lang="en-US" sz="3600" dirty="0">
+                <a:solidFill>
+                  <a:schemeClr val="accent3">
+                    <a:lumMod val="50000"/>
+                  </a:schemeClr>
+                </a:solidFill>
+              </a:rPr>
+              <a:t> </a:t>
+            </a:r>
+            <a:endParaRPr lang="en-GB" sz="3600" dirty="0">
+              <a:solidFill>
+                <a:schemeClr val="accent3">
+                  <a:lumMod val="50000"/>
+                </a:schemeClr>
+              </a:solidFill>
+            </a:endParaRPr>
+          </a:p>
+          <a:p>
+            <a:pPr lvl="0"/>
+            <a:r>
+              <a:rPr lang="en-US" sz="3600" b="1" dirty="0">
+                <a:solidFill>
+                  <a:schemeClr val="accent3">
+                    <a:lumMod val="50000"/>
+                  </a:schemeClr>
+                </a:solidFill>
+              </a:rPr>
+              <a:t>Training:  I </a:t>
+            </a:r>
+            <a:r>
+              <a:rPr lang="en-US" sz="3600" dirty="0">
+                <a:solidFill>
+                  <a:schemeClr val="accent3">
+                    <a:lumMod val="50000"/>
+                  </a:schemeClr>
+                </a:solidFill>
+              </a:rPr>
+              <a:t> Split the data into Training/Validation/Test. Using  deep learning framework such as </a:t>
+            </a:r>
+            <a:r>
+              <a:rPr lang="en-US" sz="3600" dirty="0" err="1">
+                <a:solidFill>
+                  <a:schemeClr val="accent3">
+                    <a:lumMod val="50000"/>
+                  </a:schemeClr>
+                </a:solidFill>
+              </a:rPr>
+              <a:t>Keras</a:t>
+            </a:r>
+            <a:r>
+              <a:rPr lang="en-US" sz="3600" dirty="0">
+                <a:solidFill>
+                  <a:schemeClr val="accent3">
+                    <a:lumMod val="50000"/>
+                  </a:schemeClr>
+                </a:solidFill>
+              </a:rPr>
+              <a:t> or </a:t>
+            </a:r>
+            <a:r>
+              <a:rPr lang="en-US" sz="3600" dirty="0" err="1">
+                <a:solidFill>
+                  <a:schemeClr val="accent3">
+                    <a:lumMod val="50000"/>
+                  </a:schemeClr>
+                </a:solidFill>
+              </a:rPr>
+              <a:t>TensorFlow</a:t>
+            </a:r>
+            <a:r>
+              <a:rPr lang="en-US" sz="3600" dirty="0">
+                <a:solidFill>
+                  <a:schemeClr val="accent3">
+                    <a:lumMod val="50000"/>
+                  </a:schemeClr>
+                </a:solidFill>
+              </a:rPr>
+              <a:t> to train a Convolutional Neural Network on the annotated dataset.</a:t>
+            </a:r>
+            <a:endParaRPr lang="en-GB" sz="3600" dirty="0">
+              <a:solidFill>
+                <a:schemeClr val="accent3">
+                  <a:lumMod val="50000"/>
+                </a:schemeClr>
+              </a:solidFill>
+            </a:endParaRPr>
+          </a:p>
+          <a:p>
+            <a:pPr lvl="0"/>
+            <a:r>
+              <a:rPr lang="en-US" sz="3600" b="1" dirty="0">
+                <a:solidFill>
+                  <a:schemeClr val="accent3">
+                    <a:lumMod val="50000"/>
+                  </a:schemeClr>
+                </a:solidFill>
+              </a:rPr>
+              <a:t>Testing:</a:t>
+            </a:r>
+            <a:r>
+              <a:rPr lang="en-US" sz="3600" dirty="0">
+                <a:solidFill>
+                  <a:schemeClr val="accent3">
+                    <a:lumMod val="50000"/>
+                  </a:schemeClr>
+                </a:solidFill>
+              </a:rPr>
+              <a:t> The model is tested on a separate test set of images that was not used for training</a:t>
+            </a:r>
+            <a:endParaRPr lang="en-GB" sz="3600" dirty="0">
+              <a:solidFill>
+                <a:schemeClr val="accent3">
+                  <a:lumMod val="50000"/>
+                </a:schemeClr>
+              </a:solidFill>
+            </a:endParaRPr>
+          </a:p>
+        </p:txBody>
+      </p:sp>
+    </p:spTree>
+    <p:extLst>
+      <p:ext uri="{BB962C8B-B14F-4D97-AF65-F5344CB8AC3E}">
+        <p14:creationId xmlns:p14="http://schemas.microsoft.com/office/powerpoint/2010/main" val="2196051472"/>
+      </p:ext>
+    </p:extLst>
+  </p:cSld>
+  <p:clrMapOvr>
+    <a:masterClrMapping/>
+  </p:clrMapOvr>
+</p:sld>
+</file>
+
+<file path=ppt/slides/slide6.xml><?xml version="1.0" encoding="utf-8"?>
+<p:sld xmlns:a="http://schemas.openxmlformats.org/drawingml/2006/main" xmlns:r="http://schemas.openxmlformats.org/officeDocument/2006/relationships" xmlns:p="http://schemas.openxmlformats.org/presentationml/2006/main">
+  <p:cSld>
+    <p:spTree>
+      <p:nvGrpSpPr>
+        <p:cNvPr id="1" name=""/>
+        <p:cNvGrpSpPr/>
+        <p:nvPr/>
+      </p:nvGrpSpPr>
+      <p:grpSpPr>
+        <a:xfrm>
+          <a:off x="0" y="0"/>
+          <a:ext cx="0" cy="0"/>
+          <a:chOff x="0" y="0"/>
+          <a:chExt cx="0" cy="0"/>
+        </a:xfrm>
+      </p:grpSpPr>
+      <p:sp>
+        <p:nvSpPr>
+          <p:cNvPr id="3" name="Rectangle 2"/>
+          <p:cNvSpPr/>
+          <p:nvPr/>
+        </p:nvSpPr>
+        <p:spPr>
+          <a:xfrm>
+            <a:off x="400050" y="438150"/>
+            <a:ext cx="11334750" cy="6057900"/>
+          </a:xfrm>
+          <a:prstGeom prst="rect">
+            <a:avLst/>
+          </a:prstGeom>
+          <a:solidFill>
+            <a:schemeClr val="accent6">
+              <a:lumMod val="20000"/>
+              <a:lumOff val="80000"/>
+            </a:schemeClr>
+          </a:solidFill>
+        </p:spPr>
+        <p:style>
+          <a:lnRef idx="2">
+            <a:schemeClr val="accent1">
+              <a:shade val="50000"/>
+            </a:schemeClr>
+          </a:lnRef>
+          <a:fillRef idx="1">
+            <a:schemeClr val="accent1"/>
+          </a:fillRef>
+          <a:effectRef idx="0">
+            <a:schemeClr val="accent1"/>
+          </a:effectRef>
+          <a:fontRef idx="minor">
+            <a:schemeClr val="lt1"/>
+          </a:fontRef>
+        </p:style>
+        <p:txBody>
+          <a:bodyPr rtlCol="0" anchor="ctr"/>
+          <a:lstStyle/>
+          <a:p>
+            <a:r>
+              <a:rPr lang="en-US" b="1" dirty="0"/>
+              <a:t> </a:t>
+            </a:r>
+            <a:endParaRPr lang="en-GB" dirty="0"/>
+          </a:p>
+          <a:p>
+            <a:r>
+              <a:rPr lang="en-US" dirty="0"/>
+              <a:t> </a:t>
+            </a:r>
+            <a:endParaRPr lang="en-GB" dirty="0"/>
+          </a:p>
+          <a:p>
+            <a:r>
+              <a:rPr lang="en-US" sz="2800" b="1" dirty="0">
+                <a:solidFill>
+                  <a:schemeClr val="tx1"/>
+                </a:solidFill>
+              </a:rPr>
+              <a:t>Training:  I </a:t>
+            </a:r>
+            <a:r>
+              <a:rPr lang="en-US" sz="2800" dirty="0">
+                <a:solidFill>
+                  <a:schemeClr val="tx1"/>
+                </a:solidFill>
+              </a:rPr>
+              <a:t> Split the data into Training/Validation/Test. Using  deep learning framework such as </a:t>
+            </a:r>
+            <a:r>
+              <a:rPr lang="en-US" sz="2800" dirty="0" err="1">
+                <a:solidFill>
+                  <a:schemeClr val="tx1"/>
+                </a:solidFill>
+              </a:rPr>
+              <a:t>Keras</a:t>
+            </a:r>
+            <a:r>
+              <a:rPr lang="en-US" sz="2800" dirty="0">
+                <a:solidFill>
+                  <a:schemeClr val="tx1"/>
+                </a:solidFill>
+              </a:rPr>
+              <a:t> or </a:t>
+            </a:r>
+            <a:r>
+              <a:rPr lang="en-US" sz="2800" dirty="0" err="1">
+                <a:solidFill>
+                  <a:schemeClr val="tx1"/>
+                </a:solidFill>
+              </a:rPr>
+              <a:t>TensorFlow</a:t>
+            </a:r>
+            <a:r>
+              <a:rPr lang="en-US" sz="2800" dirty="0">
+                <a:solidFill>
+                  <a:schemeClr val="tx1"/>
+                </a:solidFill>
+              </a:rPr>
+              <a:t> to train a Convolutional Neural Network on the annotated dataset.</a:t>
+            </a:r>
+            <a:endParaRPr lang="en-GB" sz="2800" dirty="0">
+              <a:solidFill>
+                <a:schemeClr val="tx1"/>
+              </a:solidFill>
+            </a:endParaRPr>
+          </a:p>
+          <a:p>
+            <a:r>
+              <a:rPr lang="en-US" sz="2800" b="1" dirty="0">
+                <a:solidFill>
+                  <a:schemeClr val="tx1"/>
+                </a:solidFill>
+              </a:rPr>
+              <a:t>Testing:</a:t>
+            </a:r>
+            <a:r>
+              <a:rPr lang="en-US" sz="2800" dirty="0">
+                <a:solidFill>
+                  <a:schemeClr val="tx1"/>
+                </a:solidFill>
+              </a:rPr>
+              <a:t> The model is tested on a separate test set of images that was not used for training.</a:t>
+            </a:r>
+            <a:endParaRPr lang="en-GB" sz="2800" dirty="0">
+              <a:solidFill>
+                <a:schemeClr val="tx1"/>
+              </a:solidFill>
+            </a:endParaRPr>
+          </a:p>
+          <a:p>
+            <a:r>
+              <a:rPr lang="en-US" sz="2800" b="1" dirty="0">
+                <a:solidFill>
+                  <a:schemeClr val="tx1"/>
+                </a:solidFill>
+              </a:rPr>
+              <a:t>Evaluation:</a:t>
+            </a:r>
+            <a:r>
+              <a:rPr lang="en-US" sz="2800" dirty="0">
+                <a:solidFill>
+                  <a:schemeClr val="tx1"/>
+                </a:solidFill>
+              </a:rPr>
+              <a:t> we check the performance of the model by measuring its accuracy </a:t>
+            </a:r>
+            <a:r>
+              <a:rPr lang="en-US" sz="2800" dirty="0" err="1">
+                <a:solidFill>
+                  <a:schemeClr val="tx1"/>
+                </a:solidFill>
+              </a:rPr>
+              <a:t>matric.Also</a:t>
+            </a:r>
+            <a:r>
+              <a:rPr lang="en-US" sz="2800" dirty="0">
+                <a:solidFill>
+                  <a:schemeClr val="tx1"/>
+                </a:solidFill>
+              </a:rPr>
+              <a:t> plot a confusion matrix to determine which expression class is predicted correctly and which is challenging for  model.</a:t>
+            </a:r>
+            <a:endParaRPr lang="en-GB" sz="2800" dirty="0">
+              <a:solidFill>
+                <a:schemeClr val="tx1"/>
+              </a:solidFill>
+            </a:endParaRPr>
+          </a:p>
+          <a:p>
+            <a:r>
+              <a:rPr lang="en-US" sz="2800" dirty="0">
+                <a:solidFill>
+                  <a:schemeClr val="tx1"/>
+                </a:solidFill>
+              </a:rPr>
+              <a:t> </a:t>
+            </a:r>
+            <a:endParaRPr lang="en-GB" sz="2800" dirty="0">
+              <a:solidFill>
+                <a:schemeClr val="tx1"/>
+              </a:solidFill>
+            </a:endParaRPr>
+          </a:p>
+          <a:p>
+            <a:r>
+              <a:rPr lang="en-US" sz="2800" dirty="0">
+                <a:solidFill>
+                  <a:schemeClr val="tx1"/>
+                </a:solidFill>
+              </a:rPr>
+              <a:t>This is my project detail I fond some exception on it but we can improve it by using data cleaning and usage of more epochs.</a:t>
+            </a:r>
+            <a:endParaRPr lang="en-GB" sz="2800" dirty="0">
+              <a:solidFill>
+                <a:schemeClr val="tx1"/>
+              </a:solidFill>
+            </a:endParaRPr>
+          </a:p>
+          <a:p>
+            <a:r>
+              <a:rPr lang="en-US" sz="2800" dirty="0">
+                <a:solidFill>
+                  <a:schemeClr val="tx1"/>
+                </a:solidFill>
+              </a:rPr>
+              <a:t>By doing this project I also familiar with </a:t>
+            </a:r>
+            <a:r>
+              <a:rPr lang="en-US" sz="2800" dirty="0" err="1">
+                <a:solidFill>
+                  <a:schemeClr val="tx1"/>
+                </a:solidFill>
+              </a:rPr>
+              <a:t>colab,keras</a:t>
+            </a:r>
+            <a:r>
+              <a:rPr lang="en-US" sz="2800" dirty="0">
+                <a:solidFill>
+                  <a:schemeClr val="tx1"/>
+                </a:solidFill>
+              </a:rPr>
+              <a:t>, tensorflow </a:t>
+            </a:r>
+            <a:r>
+              <a:rPr lang="en-US" sz="2800" dirty="0" err="1">
+                <a:solidFill>
+                  <a:schemeClr val="tx1"/>
+                </a:solidFill>
+              </a:rPr>
+              <a:t>etc</a:t>
+            </a:r>
+            <a:endParaRPr lang="en-GB" sz="2800" dirty="0">
+              <a:solidFill>
+                <a:schemeClr val="tx1"/>
+              </a:solidFill>
+            </a:endParaRPr>
+          </a:p>
+          <a:p>
+            <a:pPr algn="ctr"/>
+            <a:endParaRPr lang="en-GB" dirty="0"/>
+          </a:p>
+        </p:txBody>
+      </p:sp>
+    </p:spTree>
+    <p:extLst>
+      <p:ext uri="{BB962C8B-B14F-4D97-AF65-F5344CB8AC3E}">
+        <p14:creationId xmlns:p14="http://schemas.microsoft.com/office/powerpoint/2010/main" val="197760136"/>
+      </p:ext>
+    </p:extLst>
+  </p:cSld>
+  <p:clrMapOvr>
+    <a:masterClrMapping/>
+  </p:clrMapOvr>
+</p:sld>
+</file>
+
+<file path=ppt/slides/slide7.xml><?xml version="1.0" encoding="utf-8"?>
+<p:sld xmlns:a="http://schemas.openxmlformats.org/drawingml/2006/main" xmlns:r="http://schemas.openxmlformats.org/officeDocument/2006/relationships" xmlns:p="http://schemas.openxmlformats.org/presentationml/2006/main">
+  <p:cSld>
+    <p:spTree>
+      <p:nvGrpSpPr>
+        <p:cNvPr id="1" name=""/>
+        <p:cNvGrpSpPr/>
+        <p:nvPr/>
+      </p:nvGrpSpPr>
+      <p:grpSpPr>
+        <a:xfrm>
+          <a:off x="0" y="0"/>
+          <a:ext cx="0" cy="0"/>
+          <a:chOff x="0" y="0"/>
+          <a:chExt cx="0" cy="0"/>
+        </a:xfrm>
+      </p:grpSpPr>
+      <p:pic>
+        <p:nvPicPr>
+          <p:cNvPr id="3" name="Picture 2"/>
+          <p:cNvPicPr>
+            <a:picLocks noChangeAspect="1"/>
+          </p:cNvPicPr>
+          <p:nvPr/>
+        </p:nvPicPr>
+        <p:blipFill>
+          <a:blip r:embed="rId2"/>
+          <a:stretch>
+            <a:fillRect/>
+          </a:stretch>
+        </p:blipFill>
+        <p:spPr>
+          <a:xfrm>
+            <a:off x="1328351" y="318807"/>
+            <a:ext cx="9024396" cy="6539193"/>
+          </a:xfrm>
+          <a:prstGeom prst="rect">
+            <a:avLst/>
+          </a:prstGeom>
+        </p:spPr>
+      </p:pic>
+    </p:spTree>
+    <p:extLst>
+      <p:ext uri="{BB962C8B-B14F-4D97-AF65-F5344CB8AC3E}">
+        <p14:creationId xmlns:p14="http://schemas.microsoft.com/office/powerpoint/2010/main" val="2418070408"/>
       </p:ext>
     </p:extLst>
   </p:cSld>
